--- a/ppt 16-9/0635.主总是这样爱我.pptx
+++ b/ppt 16-9/0635.主总是这样爱我.pptx
@@ -129,7 +129,7 @@
           <p:cNvPr id="2" name="标题 1">
             <a:extLst>
               <a:ext uri="{FF2B5EF4-FFF2-40B4-BE49-F238E27FC236}">
-                <a16:creationId xmlns:a16="http://schemas.microsoft.com/office/drawing/2014/main" id="{F5C6DB41-9614-B6A0-049B-81A9A61949E4}"/>
+                <a16:creationId xmlns:a16="http://schemas.microsoft.com/office/drawing/2014/main" id="{36D49366-1BD4-E649-082F-E979368A7C23}"/>
               </a:ext>
             </a:extLst>
           </p:cNvPr>
@@ -166,7 +166,7 @@
           <p:cNvPr id="3" name="副标题 2">
             <a:extLst>
               <a:ext uri="{FF2B5EF4-FFF2-40B4-BE49-F238E27FC236}">
-                <a16:creationId xmlns:a16="http://schemas.microsoft.com/office/drawing/2014/main" id="{717DF368-7FDA-8D45-3E92-DBDB28F89BCF}"/>
+                <a16:creationId xmlns:a16="http://schemas.microsoft.com/office/drawing/2014/main" id="{C8FCAB64-F391-6720-9DA6-922EF00EC30A}"/>
               </a:ext>
             </a:extLst>
           </p:cNvPr>
@@ -236,7 +236,7 @@
           <p:cNvPr id="4" name="日期占位符 3">
             <a:extLst>
               <a:ext uri="{FF2B5EF4-FFF2-40B4-BE49-F238E27FC236}">
-                <a16:creationId xmlns:a16="http://schemas.microsoft.com/office/drawing/2014/main" id="{2542A049-BB2D-D07F-592F-D5B707D7B1B4}"/>
+                <a16:creationId xmlns:a16="http://schemas.microsoft.com/office/drawing/2014/main" id="{14EA1C19-6375-8CAA-5352-534C5ED8EDC8}"/>
               </a:ext>
             </a:extLst>
           </p:cNvPr>
@@ -252,7 +252,7 @@
           <a:bodyPr/>
           <a:lstStyle/>
           <a:p>
-            <a:fld id="{D402523A-F4A3-4EB6-861E-A2FD1ABE402A}" type="datetimeFigureOut">
+            <a:fld id="{8A55D339-41DB-49D8-8C73-E5CB60F64B03}" type="datetimeFigureOut">
               <a:rPr lang="zh-CN" altLang="en-US" smtClean="0"/>
               <a:t>2024/3/10</a:t>
             </a:fld>
@@ -265,7 +265,7 @@
           <p:cNvPr id="5" name="页脚占位符 4">
             <a:extLst>
               <a:ext uri="{FF2B5EF4-FFF2-40B4-BE49-F238E27FC236}">
-                <a16:creationId xmlns:a16="http://schemas.microsoft.com/office/drawing/2014/main" id="{1C50DE3A-9024-A1E7-7665-9F2E285E2448}"/>
+                <a16:creationId xmlns:a16="http://schemas.microsoft.com/office/drawing/2014/main" id="{3796DA4B-F006-7D0E-3D0E-1DA1B373A372}"/>
               </a:ext>
             </a:extLst>
           </p:cNvPr>
@@ -290,7 +290,7 @@
           <p:cNvPr id="6" name="灯片编号占位符 5">
             <a:extLst>
               <a:ext uri="{FF2B5EF4-FFF2-40B4-BE49-F238E27FC236}">
-                <a16:creationId xmlns:a16="http://schemas.microsoft.com/office/drawing/2014/main" id="{8E40E8C7-288E-7C5A-43B2-1636CE449F9B}"/>
+                <a16:creationId xmlns:a16="http://schemas.microsoft.com/office/drawing/2014/main" id="{035910E2-7B92-8C6B-FF22-8DAC0ADCBEFD}"/>
               </a:ext>
             </a:extLst>
           </p:cNvPr>
@@ -306,7 +306,7 @@
           <a:bodyPr/>
           <a:lstStyle/>
           <a:p>
-            <a:fld id="{B4A41887-3E8A-4D2E-A61E-A52F367BCC1C}" type="slidenum">
+            <a:fld id="{724B98A9-83EE-477D-AF20-2112241B31BF}" type="slidenum">
               <a:rPr lang="zh-CN" altLang="en-US" smtClean="0"/>
               <a:t>‹#›</a:t>
             </a:fld>
@@ -317,7 +317,7 @@
     </p:spTree>
     <p:extLst>
       <p:ext uri="{BB962C8B-B14F-4D97-AF65-F5344CB8AC3E}">
-        <p14:creationId xmlns:p14="http://schemas.microsoft.com/office/powerpoint/2010/main" val="505131198"/>
+        <p14:creationId xmlns:p14="http://schemas.microsoft.com/office/powerpoint/2010/main" val="607202183"/>
       </p:ext>
     </p:extLst>
   </p:cSld>
@@ -349,7 +349,7 @@
           <p:cNvPr id="2" name="标题 1">
             <a:extLst>
               <a:ext uri="{FF2B5EF4-FFF2-40B4-BE49-F238E27FC236}">
-                <a16:creationId xmlns:a16="http://schemas.microsoft.com/office/drawing/2014/main" id="{3326B9F9-23D4-85D8-3694-CCBB86D24228}"/>
+                <a16:creationId xmlns:a16="http://schemas.microsoft.com/office/drawing/2014/main" id="{2AB308C7-5D97-419F-9724-A00B23889455}"/>
               </a:ext>
             </a:extLst>
           </p:cNvPr>
@@ -377,7 +377,7 @@
           <p:cNvPr id="3" name="竖排文字占位符 2">
             <a:extLst>
               <a:ext uri="{FF2B5EF4-FFF2-40B4-BE49-F238E27FC236}">
-                <a16:creationId xmlns:a16="http://schemas.microsoft.com/office/drawing/2014/main" id="{142E1D9C-079D-BD1C-CA60-2BDAF50E5BEA}"/>
+                <a16:creationId xmlns:a16="http://schemas.microsoft.com/office/drawing/2014/main" id="{E11D9587-1478-EA1E-BBE6-E2A8D8C856AD}"/>
               </a:ext>
             </a:extLst>
           </p:cNvPr>
@@ -434,7 +434,7 @@
           <p:cNvPr id="4" name="日期占位符 3">
             <a:extLst>
               <a:ext uri="{FF2B5EF4-FFF2-40B4-BE49-F238E27FC236}">
-                <a16:creationId xmlns:a16="http://schemas.microsoft.com/office/drawing/2014/main" id="{6783C614-E33B-C33F-DB21-2AF6FEDE67E3}"/>
+                <a16:creationId xmlns:a16="http://schemas.microsoft.com/office/drawing/2014/main" id="{73152A84-478B-5E46-89AD-C5327C1C2DF5}"/>
               </a:ext>
             </a:extLst>
           </p:cNvPr>
@@ -450,7 +450,7 @@
           <a:bodyPr/>
           <a:lstStyle/>
           <a:p>
-            <a:fld id="{D402523A-F4A3-4EB6-861E-A2FD1ABE402A}" type="datetimeFigureOut">
+            <a:fld id="{8A55D339-41DB-49D8-8C73-E5CB60F64B03}" type="datetimeFigureOut">
               <a:rPr lang="zh-CN" altLang="en-US" smtClean="0"/>
               <a:t>2024/3/10</a:t>
             </a:fld>
@@ -463,7 +463,7 @@
           <p:cNvPr id="5" name="页脚占位符 4">
             <a:extLst>
               <a:ext uri="{FF2B5EF4-FFF2-40B4-BE49-F238E27FC236}">
-                <a16:creationId xmlns:a16="http://schemas.microsoft.com/office/drawing/2014/main" id="{8F511D9E-680A-2028-EF79-C0EA64D6B1C5}"/>
+                <a16:creationId xmlns:a16="http://schemas.microsoft.com/office/drawing/2014/main" id="{B0EC8964-7E12-8FD5-37D4-686281FD8AF6}"/>
               </a:ext>
             </a:extLst>
           </p:cNvPr>
@@ -488,7 +488,7 @@
           <p:cNvPr id="6" name="灯片编号占位符 5">
             <a:extLst>
               <a:ext uri="{FF2B5EF4-FFF2-40B4-BE49-F238E27FC236}">
-                <a16:creationId xmlns:a16="http://schemas.microsoft.com/office/drawing/2014/main" id="{0E8F71A5-1289-80F8-78EC-6D8BAF41711F}"/>
+                <a16:creationId xmlns:a16="http://schemas.microsoft.com/office/drawing/2014/main" id="{6A17BFE7-8CC7-5B67-5844-26ABEE49A51F}"/>
               </a:ext>
             </a:extLst>
           </p:cNvPr>
@@ -504,7 +504,7 @@
           <a:bodyPr/>
           <a:lstStyle/>
           <a:p>
-            <a:fld id="{B4A41887-3E8A-4D2E-A61E-A52F367BCC1C}" type="slidenum">
+            <a:fld id="{724B98A9-83EE-477D-AF20-2112241B31BF}" type="slidenum">
               <a:rPr lang="zh-CN" altLang="en-US" smtClean="0"/>
               <a:t>‹#›</a:t>
             </a:fld>
@@ -515,7 +515,7 @@
     </p:spTree>
     <p:extLst>
       <p:ext uri="{BB962C8B-B14F-4D97-AF65-F5344CB8AC3E}">
-        <p14:creationId xmlns:p14="http://schemas.microsoft.com/office/powerpoint/2010/main" val="1684184381"/>
+        <p14:creationId xmlns:p14="http://schemas.microsoft.com/office/powerpoint/2010/main" val="1998608086"/>
       </p:ext>
     </p:extLst>
   </p:cSld>
@@ -547,7 +547,7 @@
           <p:cNvPr id="2" name="竖排标题 1">
             <a:extLst>
               <a:ext uri="{FF2B5EF4-FFF2-40B4-BE49-F238E27FC236}">
-                <a16:creationId xmlns:a16="http://schemas.microsoft.com/office/drawing/2014/main" id="{348AD90F-E7BA-CA01-FDBA-B03ACE8F9CCD}"/>
+                <a16:creationId xmlns:a16="http://schemas.microsoft.com/office/drawing/2014/main" id="{91DC42C9-0473-18A9-6157-F92F0333F2E9}"/>
               </a:ext>
             </a:extLst>
           </p:cNvPr>
@@ -580,7 +580,7 @@
           <p:cNvPr id="3" name="竖排文字占位符 2">
             <a:extLst>
               <a:ext uri="{FF2B5EF4-FFF2-40B4-BE49-F238E27FC236}">
-                <a16:creationId xmlns:a16="http://schemas.microsoft.com/office/drawing/2014/main" id="{F9F12175-EDBE-D1DA-D246-75335204DEEA}"/>
+                <a16:creationId xmlns:a16="http://schemas.microsoft.com/office/drawing/2014/main" id="{B34C7338-CD73-C1EE-3446-590947D5D319}"/>
               </a:ext>
             </a:extLst>
           </p:cNvPr>
@@ -642,7 +642,7 @@
           <p:cNvPr id="4" name="日期占位符 3">
             <a:extLst>
               <a:ext uri="{FF2B5EF4-FFF2-40B4-BE49-F238E27FC236}">
-                <a16:creationId xmlns:a16="http://schemas.microsoft.com/office/drawing/2014/main" id="{C8FC3D98-BCFD-7E8C-169A-0AEB2744EF0C}"/>
+                <a16:creationId xmlns:a16="http://schemas.microsoft.com/office/drawing/2014/main" id="{DA92AF9F-CF71-B8AF-A989-698352891338}"/>
               </a:ext>
             </a:extLst>
           </p:cNvPr>
@@ -658,7 +658,7 @@
           <a:bodyPr/>
           <a:lstStyle/>
           <a:p>
-            <a:fld id="{D402523A-F4A3-4EB6-861E-A2FD1ABE402A}" type="datetimeFigureOut">
+            <a:fld id="{8A55D339-41DB-49D8-8C73-E5CB60F64B03}" type="datetimeFigureOut">
               <a:rPr lang="zh-CN" altLang="en-US" smtClean="0"/>
               <a:t>2024/3/10</a:t>
             </a:fld>
@@ -671,7 +671,7 @@
           <p:cNvPr id="5" name="页脚占位符 4">
             <a:extLst>
               <a:ext uri="{FF2B5EF4-FFF2-40B4-BE49-F238E27FC236}">
-                <a16:creationId xmlns:a16="http://schemas.microsoft.com/office/drawing/2014/main" id="{A97CF266-C649-BBD6-2FEE-BCDFB8A88B9A}"/>
+                <a16:creationId xmlns:a16="http://schemas.microsoft.com/office/drawing/2014/main" id="{E05F70DD-5256-313D-EE84-77E33F54930E}"/>
               </a:ext>
             </a:extLst>
           </p:cNvPr>
@@ -696,7 +696,7 @@
           <p:cNvPr id="6" name="灯片编号占位符 5">
             <a:extLst>
               <a:ext uri="{FF2B5EF4-FFF2-40B4-BE49-F238E27FC236}">
-                <a16:creationId xmlns:a16="http://schemas.microsoft.com/office/drawing/2014/main" id="{B553FC49-5416-CE55-3DF7-15407CFF39D0}"/>
+                <a16:creationId xmlns:a16="http://schemas.microsoft.com/office/drawing/2014/main" id="{3B13C538-D9A6-FC0E-F10B-C4D974FA50CE}"/>
               </a:ext>
             </a:extLst>
           </p:cNvPr>
@@ -712,7 +712,7 @@
           <a:bodyPr/>
           <a:lstStyle/>
           <a:p>
-            <a:fld id="{B4A41887-3E8A-4D2E-A61E-A52F367BCC1C}" type="slidenum">
+            <a:fld id="{724B98A9-83EE-477D-AF20-2112241B31BF}" type="slidenum">
               <a:rPr lang="zh-CN" altLang="en-US" smtClean="0"/>
               <a:t>‹#›</a:t>
             </a:fld>
@@ -723,7 +723,7 @@
     </p:spTree>
     <p:extLst>
       <p:ext uri="{BB962C8B-B14F-4D97-AF65-F5344CB8AC3E}">
-        <p14:creationId xmlns:p14="http://schemas.microsoft.com/office/powerpoint/2010/main" val="4292540408"/>
+        <p14:creationId xmlns:p14="http://schemas.microsoft.com/office/powerpoint/2010/main" val="3823388656"/>
       </p:ext>
     </p:extLst>
   </p:cSld>
@@ -755,7 +755,7 @@
           <p:cNvPr id="2" name="标题 1">
             <a:extLst>
               <a:ext uri="{FF2B5EF4-FFF2-40B4-BE49-F238E27FC236}">
-                <a16:creationId xmlns:a16="http://schemas.microsoft.com/office/drawing/2014/main" id="{B08894C6-3E58-06A1-A441-BCEF4A5C12CA}"/>
+                <a16:creationId xmlns:a16="http://schemas.microsoft.com/office/drawing/2014/main" id="{7255F6B4-506F-9339-1DF0-6B118826E891}"/>
               </a:ext>
             </a:extLst>
           </p:cNvPr>
@@ -783,7 +783,7 @@
           <p:cNvPr id="3" name="内容占位符 2">
             <a:extLst>
               <a:ext uri="{FF2B5EF4-FFF2-40B4-BE49-F238E27FC236}">
-                <a16:creationId xmlns:a16="http://schemas.microsoft.com/office/drawing/2014/main" id="{EE147B02-44BB-BDFD-4F3D-8207CB74E8B4}"/>
+                <a16:creationId xmlns:a16="http://schemas.microsoft.com/office/drawing/2014/main" id="{35ACE329-BD4D-BFAF-AE23-7EB5CE1AD2C8}"/>
               </a:ext>
             </a:extLst>
           </p:cNvPr>
@@ -840,7 +840,7 @@
           <p:cNvPr id="4" name="日期占位符 3">
             <a:extLst>
               <a:ext uri="{FF2B5EF4-FFF2-40B4-BE49-F238E27FC236}">
-                <a16:creationId xmlns:a16="http://schemas.microsoft.com/office/drawing/2014/main" id="{483D3CA3-C547-C051-334F-46A6CADAFDF1}"/>
+                <a16:creationId xmlns:a16="http://schemas.microsoft.com/office/drawing/2014/main" id="{13640542-EA4E-55AD-A12F-F5D87894CBF4}"/>
               </a:ext>
             </a:extLst>
           </p:cNvPr>
@@ -856,7 +856,7 @@
           <a:bodyPr/>
           <a:lstStyle/>
           <a:p>
-            <a:fld id="{D402523A-F4A3-4EB6-861E-A2FD1ABE402A}" type="datetimeFigureOut">
+            <a:fld id="{8A55D339-41DB-49D8-8C73-E5CB60F64B03}" type="datetimeFigureOut">
               <a:rPr lang="zh-CN" altLang="en-US" smtClean="0"/>
               <a:t>2024/3/10</a:t>
             </a:fld>
@@ -869,7 +869,7 @@
           <p:cNvPr id="5" name="页脚占位符 4">
             <a:extLst>
               <a:ext uri="{FF2B5EF4-FFF2-40B4-BE49-F238E27FC236}">
-                <a16:creationId xmlns:a16="http://schemas.microsoft.com/office/drawing/2014/main" id="{EE401F22-97B5-93BB-A52F-B277904CC697}"/>
+                <a16:creationId xmlns:a16="http://schemas.microsoft.com/office/drawing/2014/main" id="{44351FFB-82AD-5740-EEF5-D460540C5F8A}"/>
               </a:ext>
             </a:extLst>
           </p:cNvPr>
@@ -894,7 +894,7 @@
           <p:cNvPr id="6" name="灯片编号占位符 5">
             <a:extLst>
               <a:ext uri="{FF2B5EF4-FFF2-40B4-BE49-F238E27FC236}">
-                <a16:creationId xmlns:a16="http://schemas.microsoft.com/office/drawing/2014/main" id="{1B231956-823D-2621-D5CF-8CE727217220}"/>
+                <a16:creationId xmlns:a16="http://schemas.microsoft.com/office/drawing/2014/main" id="{E9A6AE17-57F4-5EEF-7718-3E0707E4702A}"/>
               </a:ext>
             </a:extLst>
           </p:cNvPr>
@@ -910,7 +910,7 @@
           <a:bodyPr/>
           <a:lstStyle/>
           <a:p>
-            <a:fld id="{B4A41887-3E8A-4D2E-A61E-A52F367BCC1C}" type="slidenum">
+            <a:fld id="{724B98A9-83EE-477D-AF20-2112241B31BF}" type="slidenum">
               <a:rPr lang="zh-CN" altLang="en-US" smtClean="0"/>
               <a:t>‹#›</a:t>
             </a:fld>
@@ -921,7 +921,7 @@
     </p:spTree>
     <p:extLst>
       <p:ext uri="{BB962C8B-B14F-4D97-AF65-F5344CB8AC3E}">
-        <p14:creationId xmlns:p14="http://schemas.microsoft.com/office/powerpoint/2010/main" val="109163493"/>
+        <p14:creationId xmlns:p14="http://schemas.microsoft.com/office/powerpoint/2010/main" val="3812796954"/>
       </p:ext>
     </p:extLst>
   </p:cSld>
@@ -953,7 +953,7 @@
           <p:cNvPr id="2" name="标题 1">
             <a:extLst>
               <a:ext uri="{FF2B5EF4-FFF2-40B4-BE49-F238E27FC236}">
-                <a16:creationId xmlns:a16="http://schemas.microsoft.com/office/drawing/2014/main" id="{132E3DF0-047E-73B3-BCF5-8F60A670AB11}"/>
+                <a16:creationId xmlns:a16="http://schemas.microsoft.com/office/drawing/2014/main" id="{29E86A61-0056-D88F-0894-241C744121B3}"/>
               </a:ext>
             </a:extLst>
           </p:cNvPr>
@@ -990,7 +990,7 @@
           <p:cNvPr id="3" name="文本占位符 2">
             <a:extLst>
               <a:ext uri="{FF2B5EF4-FFF2-40B4-BE49-F238E27FC236}">
-                <a16:creationId xmlns:a16="http://schemas.microsoft.com/office/drawing/2014/main" id="{C24EBC92-5E5F-9EC5-940E-12B9FF4E357F}"/>
+                <a16:creationId xmlns:a16="http://schemas.microsoft.com/office/drawing/2014/main" id="{F8B26E33-9740-E581-D472-67CD835F55E2}"/>
               </a:ext>
             </a:extLst>
           </p:cNvPr>
@@ -1115,7 +1115,7 @@
           <p:cNvPr id="4" name="日期占位符 3">
             <a:extLst>
               <a:ext uri="{FF2B5EF4-FFF2-40B4-BE49-F238E27FC236}">
-                <a16:creationId xmlns:a16="http://schemas.microsoft.com/office/drawing/2014/main" id="{4A8B6860-ED73-B8C5-B810-9F72A2298D9C}"/>
+                <a16:creationId xmlns:a16="http://schemas.microsoft.com/office/drawing/2014/main" id="{4683B148-82BF-A3EF-6A53-954878CA89CE}"/>
               </a:ext>
             </a:extLst>
           </p:cNvPr>
@@ -1131,7 +1131,7 @@
           <a:bodyPr/>
           <a:lstStyle/>
           <a:p>
-            <a:fld id="{D402523A-F4A3-4EB6-861E-A2FD1ABE402A}" type="datetimeFigureOut">
+            <a:fld id="{8A55D339-41DB-49D8-8C73-E5CB60F64B03}" type="datetimeFigureOut">
               <a:rPr lang="zh-CN" altLang="en-US" smtClean="0"/>
               <a:t>2024/3/10</a:t>
             </a:fld>
@@ -1144,7 +1144,7 @@
           <p:cNvPr id="5" name="页脚占位符 4">
             <a:extLst>
               <a:ext uri="{FF2B5EF4-FFF2-40B4-BE49-F238E27FC236}">
-                <a16:creationId xmlns:a16="http://schemas.microsoft.com/office/drawing/2014/main" id="{B359D662-BB9E-7869-12E4-624CC1AA4FAC}"/>
+                <a16:creationId xmlns:a16="http://schemas.microsoft.com/office/drawing/2014/main" id="{74201E38-1E5F-36E3-9E57-E59F84AEFB94}"/>
               </a:ext>
             </a:extLst>
           </p:cNvPr>
@@ -1169,7 +1169,7 @@
           <p:cNvPr id="6" name="灯片编号占位符 5">
             <a:extLst>
               <a:ext uri="{FF2B5EF4-FFF2-40B4-BE49-F238E27FC236}">
-                <a16:creationId xmlns:a16="http://schemas.microsoft.com/office/drawing/2014/main" id="{5237683C-DE7F-04E8-4E86-0E95EFA71753}"/>
+                <a16:creationId xmlns:a16="http://schemas.microsoft.com/office/drawing/2014/main" id="{2968560D-7CB7-6EE0-1CA7-56E3AB506B25}"/>
               </a:ext>
             </a:extLst>
           </p:cNvPr>
@@ -1185,7 +1185,7 @@
           <a:bodyPr/>
           <a:lstStyle/>
           <a:p>
-            <a:fld id="{B4A41887-3E8A-4D2E-A61E-A52F367BCC1C}" type="slidenum">
+            <a:fld id="{724B98A9-83EE-477D-AF20-2112241B31BF}" type="slidenum">
               <a:rPr lang="zh-CN" altLang="en-US" smtClean="0"/>
               <a:t>‹#›</a:t>
             </a:fld>
@@ -1196,7 +1196,7 @@
     </p:spTree>
     <p:extLst>
       <p:ext uri="{BB962C8B-B14F-4D97-AF65-F5344CB8AC3E}">
-        <p14:creationId xmlns:p14="http://schemas.microsoft.com/office/powerpoint/2010/main" val="2037726279"/>
+        <p14:creationId xmlns:p14="http://schemas.microsoft.com/office/powerpoint/2010/main" val="3301339458"/>
       </p:ext>
     </p:extLst>
   </p:cSld>
@@ -1228,7 +1228,7 @@
           <p:cNvPr id="2" name="标题 1">
             <a:extLst>
               <a:ext uri="{FF2B5EF4-FFF2-40B4-BE49-F238E27FC236}">
-                <a16:creationId xmlns:a16="http://schemas.microsoft.com/office/drawing/2014/main" id="{3A205C05-8569-9497-D9FC-491C60A32D4E}"/>
+                <a16:creationId xmlns:a16="http://schemas.microsoft.com/office/drawing/2014/main" id="{243E161F-6069-6014-2D0C-489BA9B35FA0}"/>
               </a:ext>
             </a:extLst>
           </p:cNvPr>
@@ -1256,7 +1256,7 @@
           <p:cNvPr id="3" name="内容占位符 2">
             <a:extLst>
               <a:ext uri="{FF2B5EF4-FFF2-40B4-BE49-F238E27FC236}">
-                <a16:creationId xmlns:a16="http://schemas.microsoft.com/office/drawing/2014/main" id="{FA6E8498-D978-B597-FDD9-658BA3459053}"/>
+                <a16:creationId xmlns:a16="http://schemas.microsoft.com/office/drawing/2014/main" id="{17CC61C7-EF05-FA83-9CD2-D4F5077C6378}"/>
               </a:ext>
             </a:extLst>
           </p:cNvPr>
@@ -1318,7 +1318,7 @@
           <p:cNvPr id="4" name="内容占位符 3">
             <a:extLst>
               <a:ext uri="{FF2B5EF4-FFF2-40B4-BE49-F238E27FC236}">
-                <a16:creationId xmlns:a16="http://schemas.microsoft.com/office/drawing/2014/main" id="{EB0FB7FC-885F-8728-AF62-B2A79A47EAA5}"/>
+                <a16:creationId xmlns:a16="http://schemas.microsoft.com/office/drawing/2014/main" id="{68549EBF-E1D9-81BF-BA94-9C1821623705}"/>
               </a:ext>
             </a:extLst>
           </p:cNvPr>
@@ -1380,7 +1380,7 @@
           <p:cNvPr id="5" name="日期占位符 4">
             <a:extLst>
               <a:ext uri="{FF2B5EF4-FFF2-40B4-BE49-F238E27FC236}">
-                <a16:creationId xmlns:a16="http://schemas.microsoft.com/office/drawing/2014/main" id="{4C9B25BF-EEDE-AB24-5954-9477FC07423D}"/>
+                <a16:creationId xmlns:a16="http://schemas.microsoft.com/office/drawing/2014/main" id="{84F07536-7044-8847-332C-6253A4233084}"/>
               </a:ext>
             </a:extLst>
           </p:cNvPr>
@@ -1396,7 +1396,7 @@
           <a:bodyPr/>
           <a:lstStyle/>
           <a:p>
-            <a:fld id="{D402523A-F4A3-4EB6-861E-A2FD1ABE402A}" type="datetimeFigureOut">
+            <a:fld id="{8A55D339-41DB-49D8-8C73-E5CB60F64B03}" type="datetimeFigureOut">
               <a:rPr lang="zh-CN" altLang="en-US" smtClean="0"/>
               <a:t>2024/3/10</a:t>
             </a:fld>
@@ -1409,7 +1409,7 @@
           <p:cNvPr id="6" name="页脚占位符 5">
             <a:extLst>
               <a:ext uri="{FF2B5EF4-FFF2-40B4-BE49-F238E27FC236}">
-                <a16:creationId xmlns:a16="http://schemas.microsoft.com/office/drawing/2014/main" id="{8DA5C4AD-07E5-4108-E4BB-7912137B85BB}"/>
+                <a16:creationId xmlns:a16="http://schemas.microsoft.com/office/drawing/2014/main" id="{C9B0EA0E-5D54-6C78-5911-FDD519ED4C17}"/>
               </a:ext>
             </a:extLst>
           </p:cNvPr>
@@ -1434,7 +1434,7 @@
           <p:cNvPr id="7" name="灯片编号占位符 6">
             <a:extLst>
               <a:ext uri="{FF2B5EF4-FFF2-40B4-BE49-F238E27FC236}">
-                <a16:creationId xmlns:a16="http://schemas.microsoft.com/office/drawing/2014/main" id="{88D30132-5AAA-E42C-D296-AF863CA0EA7A}"/>
+                <a16:creationId xmlns:a16="http://schemas.microsoft.com/office/drawing/2014/main" id="{04390BF8-BA1F-7F54-9787-6979D847A764}"/>
               </a:ext>
             </a:extLst>
           </p:cNvPr>
@@ -1450,7 +1450,7 @@
           <a:bodyPr/>
           <a:lstStyle/>
           <a:p>
-            <a:fld id="{B4A41887-3E8A-4D2E-A61E-A52F367BCC1C}" type="slidenum">
+            <a:fld id="{724B98A9-83EE-477D-AF20-2112241B31BF}" type="slidenum">
               <a:rPr lang="zh-CN" altLang="en-US" smtClean="0"/>
               <a:t>‹#›</a:t>
             </a:fld>
@@ -1461,7 +1461,7 @@
     </p:spTree>
     <p:extLst>
       <p:ext uri="{BB962C8B-B14F-4D97-AF65-F5344CB8AC3E}">
-        <p14:creationId xmlns:p14="http://schemas.microsoft.com/office/powerpoint/2010/main" val="233247525"/>
+        <p14:creationId xmlns:p14="http://schemas.microsoft.com/office/powerpoint/2010/main" val="1970783077"/>
       </p:ext>
     </p:extLst>
   </p:cSld>
@@ -1493,7 +1493,7 @@
           <p:cNvPr id="2" name="标题 1">
             <a:extLst>
               <a:ext uri="{FF2B5EF4-FFF2-40B4-BE49-F238E27FC236}">
-                <a16:creationId xmlns:a16="http://schemas.microsoft.com/office/drawing/2014/main" id="{F7FE53A8-D38C-E667-0F5D-C6A671913E37}"/>
+                <a16:creationId xmlns:a16="http://schemas.microsoft.com/office/drawing/2014/main" id="{E22BF3A7-EAAF-555D-2B01-2377CBF06E3B}"/>
               </a:ext>
             </a:extLst>
           </p:cNvPr>
@@ -1526,7 +1526,7 @@
           <p:cNvPr id="3" name="文本占位符 2">
             <a:extLst>
               <a:ext uri="{FF2B5EF4-FFF2-40B4-BE49-F238E27FC236}">
-                <a16:creationId xmlns:a16="http://schemas.microsoft.com/office/drawing/2014/main" id="{FC5BF6A7-3FCB-ECB6-B241-57EB2CE913E1}"/>
+                <a16:creationId xmlns:a16="http://schemas.microsoft.com/office/drawing/2014/main" id="{FFB1774E-82A0-A7EA-C9D0-31E6B0E6DCF1}"/>
               </a:ext>
             </a:extLst>
           </p:cNvPr>
@@ -1597,7 +1597,7 @@
           <p:cNvPr id="4" name="内容占位符 3">
             <a:extLst>
               <a:ext uri="{FF2B5EF4-FFF2-40B4-BE49-F238E27FC236}">
-                <a16:creationId xmlns:a16="http://schemas.microsoft.com/office/drawing/2014/main" id="{7193427D-50F7-E05D-FE41-4C2AA6398F7A}"/>
+                <a16:creationId xmlns:a16="http://schemas.microsoft.com/office/drawing/2014/main" id="{A9F97ECD-310E-9541-74D6-AA4F6EA76C03}"/>
               </a:ext>
             </a:extLst>
           </p:cNvPr>
@@ -1659,7 +1659,7 @@
           <p:cNvPr id="5" name="文本占位符 4">
             <a:extLst>
               <a:ext uri="{FF2B5EF4-FFF2-40B4-BE49-F238E27FC236}">
-                <a16:creationId xmlns:a16="http://schemas.microsoft.com/office/drawing/2014/main" id="{BAC7E02B-97DB-F9A9-97A0-D67D3AE5C714}"/>
+                <a16:creationId xmlns:a16="http://schemas.microsoft.com/office/drawing/2014/main" id="{03B4FC80-6FDD-2978-4398-6E5E50561035}"/>
               </a:ext>
             </a:extLst>
           </p:cNvPr>
@@ -1730,7 +1730,7 @@
           <p:cNvPr id="6" name="内容占位符 5">
             <a:extLst>
               <a:ext uri="{FF2B5EF4-FFF2-40B4-BE49-F238E27FC236}">
-                <a16:creationId xmlns:a16="http://schemas.microsoft.com/office/drawing/2014/main" id="{B7D0CFD2-90D2-D9C3-9538-913390557EA3}"/>
+                <a16:creationId xmlns:a16="http://schemas.microsoft.com/office/drawing/2014/main" id="{DC3090AC-4CE9-476E-0490-C52472AC0294}"/>
               </a:ext>
             </a:extLst>
           </p:cNvPr>
@@ -1792,7 +1792,7 @@
           <p:cNvPr id="7" name="日期占位符 6">
             <a:extLst>
               <a:ext uri="{FF2B5EF4-FFF2-40B4-BE49-F238E27FC236}">
-                <a16:creationId xmlns:a16="http://schemas.microsoft.com/office/drawing/2014/main" id="{8B75A20D-CE2A-C0A6-A3B8-420ACED2FA65}"/>
+                <a16:creationId xmlns:a16="http://schemas.microsoft.com/office/drawing/2014/main" id="{BB6508A3-A051-065A-00BC-3CEEEAE94430}"/>
               </a:ext>
             </a:extLst>
           </p:cNvPr>
@@ -1808,7 +1808,7 @@
           <a:bodyPr/>
           <a:lstStyle/>
           <a:p>
-            <a:fld id="{D402523A-F4A3-4EB6-861E-A2FD1ABE402A}" type="datetimeFigureOut">
+            <a:fld id="{8A55D339-41DB-49D8-8C73-E5CB60F64B03}" type="datetimeFigureOut">
               <a:rPr lang="zh-CN" altLang="en-US" smtClean="0"/>
               <a:t>2024/3/10</a:t>
             </a:fld>
@@ -1821,7 +1821,7 @@
           <p:cNvPr id="8" name="页脚占位符 7">
             <a:extLst>
               <a:ext uri="{FF2B5EF4-FFF2-40B4-BE49-F238E27FC236}">
-                <a16:creationId xmlns:a16="http://schemas.microsoft.com/office/drawing/2014/main" id="{2DDC7557-6CA5-951D-98E4-C7AAEB9C9B4B}"/>
+                <a16:creationId xmlns:a16="http://schemas.microsoft.com/office/drawing/2014/main" id="{97799F01-EA58-36E7-A3C6-D25A35AA517C}"/>
               </a:ext>
             </a:extLst>
           </p:cNvPr>
@@ -1846,7 +1846,7 @@
           <p:cNvPr id="9" name="灯片编号占位符 8">
             <a:extLst>
               <a:ext uri="{FF2B5EF4-FFF2-40B4-BE49-F238E27FC236}">
-                <a16:creationId xmlns:a16="http://schemas.microsoft.com/office/drawing/2014/main" id="{00A4AC23-B53C-4B20-DEED-0E5463C665C1}"/>
+                <a16:creationId xmlns:a16="http://schemas.microsoft.com/office/drawing/2014/main" id="{006E0A3A-E808-F615-225C-CCEDEDFF9AD1}"/>
               </a:ext>
             </a:extLst>
           </p:cNvPr>
@@ -1862,7 +1862,7 @@
           <a:bodyPr/>
           <a:lstStyle/>
           <a:p>
-            <a:fld id="{B4A41887-3E8A-4D2E-A61E-A52F367BCC1C}" type="slidenum">
+            <a:fld id="{724B98A9-83EE-477D-AF20-2112241B31BF}" type="slidenum">
               <a:rPr lang="zh-CN" altLang="en-US" smtClean="0"/>
               <a:t>‹#›</a:t>
             </a:fld>
@@ -1873,7 +1873,7 @@
     </p:spTree>
     <p:extLst>
       <p:ext uri="{BB962C8B-B14F-4D97-AF65-F5344CB8AC3E}">
-        <p14:creationId xmlns:p14="http://schemas.microsoft.com/office/powerpoint/2010/main" val="2131532467"/>
+        <p14:creationId xmlns:p14="http://schemas.microsoft.com/office/powerpoint/2010/main" val="3609033950"/>
       </p:ext>
     </p:extLst>
   </p:cSld>
@@ -1905,7 +1905,7 @@
           <p:cNvPr id="2" name="标题 1">
             <a:extLst>
               <a:ext uri="{FF2B5EF4-FFF2-40B4-BE49-F238E27FC236}">
-                <a16:creationId xmlns:a16="http://schemas.microsoft.com/office/drawing/2014/main" id="{3E6A385C-2072-5015-503A-99AA469E5A7C}"/>
+                <a16:creationId xmlns:a16="http://schemas.microsoft.com/office/drawing/2014/main" id="{F5096F61-C3D7-B5F2-3E99-FC7D4D0D878C}"/>
               </a:ext>
             </a:extLst>
           </p:cNvPr>
@@ -1933,7 +1933,7 @@
           <p:cNvPr id="3" name="日期占位符 2">
             <a:extLst>
               <a:ext uri="{FF2B5EF4-FFF2-40B4-BE49-F238E27FC236}">
-                <a16:creationId xmlns:a16="http://schemas.microsoft.com/office/drawing/2014/main" id="{5F95ABE5-4A1E-2AD4-4979-6B811B763534}"/>
+                <a16:creationId xmlns:a16="http://schemas.microsoft.com/office/drawing/2014/main" id="{2464CD0A-C3DA-225A-1C98-D61C2F5B2EE1}"/>
               </a:ext>
             </a:extLst>
           </p:cNvPr>
@@ -1949,7 +1949,7 @@
           <a:bodyPr/>
           <a:lstStyle/>
           <a:p>
-            <a:fld id="{D402523A-F4A3-4EB6-861E-A2FD1ABE402A}" type="datetimeFigureOut">
+            <a:fld id="{8A55D339-41DB-49D8-8C73-E5CB60F64B03}" type="datetimeFigureOut">
               <a:rPr lang="zh-CN" altLang="en-US" smtClean="0"/>
               <a:t>2024/3/10</a:t>
             </a:fld>
@@ -1962,7 +1962,7 @@
           <p:cNvPr id="4" name="页脚占位符 3">
             <a:extLst>
               <a:ext uri="{FF2B5EF4-FFF2-40B4-BE49-F238E27FC236}">
-                <a16:creationId xmlns:a16="http://schemas.microsoft.com/office/drawing/2014/main" id="{37E255F6-41F8-F8DE-7712-440B03EC02F5}"/>
+                <a16:creationId xmlns:a16="http://schemas.microsoft.com/office/drawing/2014/main" id="{FBC0A5D7-6879-7CDE-782B-47991CFF8CCA}"/>
               </a:ext>
             </a:extLst>
           </p:cNvPr>
@@ -1987,7 +1987,7 @@
           <p:cNvPr id="5" name="灯片编号占位符 4">
             <a:extLst>
               <a:ext uri="{FF2B5EF4-FFF2-40B4-BE49-F238E27FC236}">
-                <a16:creationId xmlns:a16="http://schemas.microsoft.com/office/drawing/2014/main" id="{907E20D6-488D-CB24-BF06-94BD29841673}"/>
+                <a16:creationId xmlns:a16="http://schemas.microsoft.com/office/drawing/2014/main" id="{0366FFDB-9750-A848-A377-CA0C1EA7E33D}"/>
               </a:ext>
             </a:extLst>
           </p:cNvPr>
@@ -2003,7 +2003,7 @@
           <a:bodyPr/>
           <a:lstStyle/>
           <a:p>
-            <a:fld id="{B4A41887-3E8A-4D2E-A61E-A52F367BCC1C}" type="slidenum">
+            <a:fld id="{724B98A9-83EE-477D-AF20-2112241B31BF}" type="slidenum">
               <a:rPr lang="zh-CN" altLang="en-US" smtClean="0"/>
               <a:t>‹#›</a:t>
             </a:fld>
@@ -2014,7 +2014,7 @@
     </p:spTree>
     <p:extLst>
       <p:ext uri="{BB962C8B-B14F-4D97-AF65-F5344CB8AC3E}">
-        <p14:creationId xmlns:p14="http://schemas.microsoft.com/office/powerpoint/2010/main" val="202906499"/>
+        <p14:creationId xmlns:p14="http://schemas.microsoft.com/office/powerpoint/2010/main" val="1194588827"/>
       </p:ext>
     </p:extLst>
   </p:cSld>
@@ -2046,7 +2046,7 @@
           <p:cNvPr id="2" name="日期占位符 1">
             <a:extLst>
               <a:ext uri="{FF2B5EF4-FFF2-40B4-BE49-F238E27FC236}">
-                <a16:creationId xmlns:a16="http://schemas.microsoft.com/office/drawing/2014/main" id="{0C072908-5DF3-6C8B-5BB8-7CC9B2C9F29C}"/>
+                <a16:creationId xmlns:a16="http://schemas.microsoft.com/office/drawing/2014/main" id="{832CD505-0D09-CDE9-2107-9FDCA33BFEE1}"/>
               </a:ext>
             </a:extLst>
           </p:cNvPr>
@@ -2062,7 +2062,7 @@
           <a:bodyPr/>
           <a:lstStyle/>
           <a:p>
-            <a:fld id="{D402523A-F4A3-4EB6-861E-A2FD1ABE402A}" type="datetimeFigureOut">
+            <a:fld id="{8A55D339-41DB-49D8-8C73-E5CB60F64B03}" type="datetimeFigureOut">
               <a:rPr lang="zh-CN" altLang="en-US" smtClean="0"/>
               <a:t>2024/3/10</a:t>
             </a:fld>
@@ -2075,7 +2075,7 @@
           <p:cNvPr id="3" name="页脚占位符 2">
             <a:extLst>
               <a:ext uri="{FF2B5EF4-FFF2-40B4-BE49-F238E27FC236}">
-                <a16:creationId xmlns:a16="http://schemas.microsoft.com/office/drawing/2014/main" id="{49CD215D-2A69-17AD-CD84-BA06A0E93335}"/>
+                <a16:creationId xmlns:a16="http://schemas.microsoft.com/office/drawing/2014/main" id="{C961F3A7-0BE2-9B95-7710-FE2CEC2B62AE}"/>
               </a:ext>
             </a:extLst>
           </p:cNvPr>
@@ -2100,7 +2100,7 @@
           <p:cNvPr id="4" name="灯片编号占位符 3">
             <a:extLst>
               <a:ext uri="{FF2B5EF4-FFF2-40B4-BE49-F238E27FC236}">
-                <a16:creationId xmlns:a16="http://schemas.microsoft.com/office/drawing/2014/main" id="{7B4EEB8C-00B8-2D5B-78A2-538EF5193C0D}"/>
+                <a16:creationId xmlns:a16="http://schemas.microsoft.com/office/drawing/2014/main" id="{4402ED59-469E-37B1-F037-428477C032EA}"/>
               </a:ext>
             </a:extLst>
           </p:cNvPr>
@@ -2116,7 +2116,7 @@
           <a:bodyPr/>
           <a:lstStyle/>
           <a:p>
-            <a:fld id="{B4A41887-3E8A-4D2E-A61E-A52F367BCC1C}" type="slidenum">
+            <a:fld id="{724B98A9-83EE-477D-AF20-2112241B31BF}" type="slidenum">
               <a:rPr lang="zh-CN" altLang="en-US" smtClean="0"/>
               <a:t>‹#›</a:t>
             </a:fld>
@@ -2127,7 +2127,7 @@
     </p:spTree>
     <p:extLst>
       <p:ext uri="{BB962C8B-B14F-4D97-AF65-F5344CB8AC3E}">
-        <p14:creationId xmlns:p14="http://schemas.microsoft.com/office/powerpoint/2010/main" val="1890260302"/>
+        <p14:creationId xmlns:p14="http://schemas.microsoft.com/office/powerpoint/2010/main" val="4006895092"/>
       </p:ext>
     </p:extLst>
   </p:cSld>
@@ -2159,7 +2159,7 @@
           <p:cNvPr id="2" name="标题 1">
             <a:extLst>
               <a:ext uri="{FF2B5EF4-FFF2-40B4-BE49-F238E27FC236}">
-                <a16:creationId xmlns:a16="http://schemas.microsoft.com/office/drawing/2014/main" id="{8E982D06-D10C-32F1-68CB-457C53F7F1CD}"/>
+                <a16:creationId xmlns:a16="http://schemas.microsoft.com/office/drawing/2014/main" id="{16C8103A-57EB-EFC5-74D0-6F70E3AB703D}"/>
               </a:ext>
             </a:extLst>
           </p:cNvPr>
@@ -2196,7 +2196,7 @@
           <p:cNvPr id="3" name="内容占位符 2">
             <a:extLst>
               <a:ext uri="{FF2B5EF4-FFF2-40B4-BE49-F238E27FC236}">
-                <a16:creationId xmlns:a16="http://schemas.microsoft.com/office/drawing/2014/main" id="{42DB9148-EA05-FFBA-6902-55D11398FADF}"/>
+                <a16:creationId xmlns:a16="http://schemas.microsoft.com/office/drawing/2014/main" id="{9F528271-310B-7712-CEEC-A4B1331D89BF}"/>
               </a:ext>
             </a:extLst>
           </p:cNvPr>
@@ -2286,7 +2286,7 @@
           <p:cNvPr id="4" name="文本占位符 3">
             <a:extLst>
               <a:ext uri="{FF2B5EF4-FFF2-40B4-BE49-F238E27FC236}">
-                <a16:creationId xmlns:a16="http://schemas.microsoft.com/office/drawing/2014/main" id="{C0F2FF9A-2939-0689-7B37-357F370BD44B}"/>
+                <a16:creationId xmlns:a16="http://schemas.microsoft.com/office/drawing/2014/main" id="{89046358-3A6F-C991-C33C-273CED06023A}"/>
               </a:ext>
             </a:extLst>
           </p:cNvPr>
@@ -2357,7 +2357,7 @@
           <p:cNvPr id="5" name="日期占位符 4">
             <a:extLst>
               <a:ext uri="{FF2B5EF4-FFF2-40B4-BE49-F238E27FC236}">
-                <a16:creationId xmlns:a16="http://schemas.microsoft.com/office/drawing/2014/main" id="{69F4059E-CFFA-56D7-9FB7-09C01FEC3A37}"/>
+                <a16:creationId xmlns:a16="http://schemas.microsoft.com/office/drawing/2014/main" id="{F0CD6CD2-5AC4-AD2E-26AA-EFAF661CF458}"/>
               </a:ext>
             </a:extLst>
           </p:cNvPr>
@@ -2373,7 +2373,7 @@
           <a:bodyPr/>
           <a:lstStyle/>
           <a:p>
-            <a:fld id="{D402523A-F4A3-4EB6-861E-A2FD1ABE402A}" type="datetimeFigureOut">
+            <a:fld id="{8A55D339-41DB-49D8-8C73-E5CB60F64B03}" type="datetimeFigureOut">
               <a:rPr lang="zh-CN" altLang="en-US" smtClean="0"/>
               <a:t>2024/3/10</a:t>
             </a:fld>
@@ -2386,7 +2386,7 @@
           <p:cNvPr id="6" name="页脚占位符 5">
             <a:extLst>
               <a:ext uri="{FF2B5EF4-FFF2-40B4-BE49-F238E27FC236}">
-                <a16:creationId xmlns:a16="http://schemas.microsoft.com/office/drawing/2014/main" id="{87AE7177-0DB9-3D11-D4C1-EEBB6F9CEF86}"/>
+                <a16:creationId xmlns:a16="http://schemas.microsoft.com/office/drawing/2014/main" id="{E33899F2-6A69-E842-4BD3-7B027EDA3AC4}"/>
               </a:ext>
             </a:extLst>
           </p:cNvPr>
@@ -2411,7 +2411,7 @@
           <p:cNvPr id="7" name="灯片编号占位符 6">
             <a:extLst>
               <a:ext uri="{FF2B5EF4-FFF2-40B4-BE49-F238E27FC236}">
-                <a16:creationId xmlns:a16="http://schemas.microsoft.com/office/drawing/2014/main" id="{3C3ED68A-E2F0-FFB9-B7FD-D47B2939E888}"/>
+                <a16:creationId xmlns:a16="http://schemas.microsoft.com/office/drawing/2014/main" id="{FD020D2B-2D2E-299B-0B71-6BCEC9F5D4AB}"/>
               </a:ext>
             </a:extLst>
           </p:cNvPr>
@@ -2427,7 +2427,7 @@
           <a:bodyPr/>
           <a:lstStyle/>
           <a:p>
-            <a:fld id="{B4A41887-3E8A-4D2E-A61E-A52F367BCC1C}" type="slidenum">
+            <a:fld id="{724B98A9-83EE-477D-AF20-2112241B31BF}" type="slidenum">
               <a:rPr lang="zh-CN" altLang="en-US" smtClean="0"/>
               <a:t>‹#›</a:t>
             </a:fld>
@@ -2438,7 +2438,7 @@
     </p:spTree>
     <p:extLst>
       <p:ext uri="{BB962C8B-B14F-4D97-AF65-F5344CB8AC3E}">
-        <p14:creationId xmlns:p14="http://schemas.microsoft.com/office/powerpoint/2010/main" val="3444351767"/>
+        <p14:creationId xmlns:p14="http://schemas.microsoft.com/office/powerpoint/2010/main" val="2908567037"/>
       </p:ext>
     </p:extLst>
   </p:cSld>
@@ -2470,7 +2470,7 @@
           <p:cNvPr id="2" name="标题 1">
             <a:extLst>
               <a:ext uri="{FF2B5EF4-FFF2-40B4-BE49-F238E27FC236}">
-                <a16:creationId xmlns:a16="http://schemas.microsoft.com/office/drawing/2014/main" id="{E50EC472-98E2-358A-A9BB-3582BE3BE4B8}"/>
+                <a16:creationId xmlns:a16="http://schemas.microsoft.com/office/drawing/2014/main" id="{A44771EC-631B-945B-AB8D-F22F3202C322}"/>
               </a:ext>
             </a:extLst>
           </p:cNvPr>
@@ -2507,7 +2507,7 @@
           <p:cNvPr id="3" name="图片占位符 2">
             <a:extLst>
               <a:ext uri="{FF2B5EF4-FFF2-40B4-BE49-F238E27FC236}">
-                <a16:creationId xmlns:a16="http://schemas.microsoft.com/office/drawing/2014/main" id="{C4413848-9DBA-3E20-B0AD-2B003C6C64E5}"/>
+                <a16:creationId xmlns:a16="http://schemas.microsoft.com/office/drawing/2014/main" id="{F6145B31-E7ED-5688-801F-9BCDC8891107}"/>
               </a:ext>
             </a:extLst>
           </p:cNvPr>
@@ -2574,7 +2574,7 @@
           <p:cNvPr id="4" name="文本占位符 3">
             <a:extLst>
               <a:ext uri="{FF2B5EF4-FFF2-40B4-BE49-F238E27FC236}">
-                <a16:creationId xmlns:a16="http://schemas.microsoft.com/office/drawing/2014/main" id="{F76B9AC9-EC74-A035-4E25-EF5680AC9060}"/>
+                <a16:creationId xmlns:a16="http://schemas.microsoft.com/office/drawing/2014/main" id="{E98EEFD3-C0BF-5ABB-2432-A2A34D7D6B57}"/>
               </a:ext>
             </a:extLst>
           </p:cNvPr>
@@ -2645,7 +2645,7 @@
           <p:cNvPr id="5" name="日期占位符 4">
             <a:extLst>
               <a:ext uri="{FF2B5EF4-FFF2-40B4-BE49-F238E27FC236}">
-                <a16:creationId xmlns:a16="http://schemas.microsoft.com/office/drawing/2014/main" id="{4D91D2CA-BBB8-86E2-EE5A-0D3C56500D7E}"/>
+                <a16:creationId xmlns:a16="http://schemas.microsoft.com/office/drawing/2014/main" id="{1955E841-479C-0FB3-6243-60B8CBEB8BB1}"/>
               </a:ext>
             </a:extLst>
           </p:cNvPr>
@@ -2661,7 +2661,7 @@
           <a:bodyPr/>
           <a:lstStyle/>
           <a:p>
-            <a:fld id="{D402523A-F4A3-4EB6-861E-A2FD1ABE402A}" type="datetimeFigureOut">
+            <a:fld id="{8A55D339-41DB-49D8-8C73-E5CB60F64B03}" type="datetimeFigureOut">
               <a:rPr lang="zh-CN" altLang="en-US" smtClean="0"/>
               <a:t>2024/3/10</a:t>
             </a:fld>
@@ -2674,7 +2674,7 @@
           <p:cNvPr id="6" name="页脚占位符 5">
             <a:extLst>
               <a:ext uri="{FF2B5EF4-FFF2-40B4-BE49-F238E27FC236}">
-                <a16:creationId xmlns:a16="http://schemas.microsoft.com/office/drawing/2014/main" id="{2E4BACF3-9312-F37F-B6F6-FEAF595CE755}"/>
+                <a16:creationId xmlns:a16="http://schemas.microsoft.com/office/drawing/2014/main" id="{159AA19E-7892-E058-5241-3816F1C28476}"/>
               </a:ext>
             </a:extLst>
           </p:cNvPr>
@@ -2699,7 +2699,7 @@
           <p:cNvPr id="7" name="灯片编号占位符 6">
             <a:extLst>
               <a:ext uri="{FF2B5EF4-FFF2-40B4-BE49-F238E27FC236}">
-                <a16:creationId xmlns:a16="http://schemas.microsoft.com/office/drawing/2014/main" id="{B9254995-6521-D286-061A-E4AAA1291F44}"/>
+                <a16:creationId xmlns:a16="http://schemas.microsoft.com/office/drawing/2014/main" id="{31B1E1D5-374A-7406-8D65-0AB51B2585A7}"/>
               </a:ext>
             </a:extLst>
           </p:cNvPr>
@@ -2715,7 +2715,7 @@
           <a:bodyPr/>
           <a:lstStyle/>
           <a:p>
-            <a:fld id="{B4A41887-3E8A-4D2E-A61E-A52F367BCC1C}" type="slidenum">
+            <a:fld id="{724B98A9-83EE-477D-AF20-2112241B31BF}" type="slidenum">
               <a:rPr lang="zh-CN" altLang="en-US" smtClean="0"/>
               <a:t>‹#›</a:t>
             </a:fld>
@@ -2726,7 +2726,7 @@
     </p:spTree>
     <p:extLst>
       <p:ext uri="{BB962C8B-B14F-4D97-AF65-F5344CB8AC3E}">
-        <p14:creationId xmlns:p14="http://schemas.microsoft.com/office/powerpoint/2010/main" val="1406127177"/>
+        <p14:creationId xmlns:p14="http://schemas.microsoft.com/office/powerpoint/2010/main" val="3752302068"/>
       </p:ext>
     </p:extLst>
   </p:cSld>
@@ -2763,7 +2763,7 @@
           <p:cNvPr id="2" name="标题占位符 1">
             <a:extLst>
               <a:ext uri="{FF2B5EF4-FFF2-40B4-BE49-F238E27FC236}">
-                <a16:creationId xmlns:a16="http://schemas.microsoft.com/office/drawing/2014/main" id="{690504E6-C323-A614-9F9F-5672D0F2702A}"/>
+                <a16:creationId xmlns:a16="http://schemas.microsoft.com/office/drawing/2014/main" id="{1902497E-7F68-8E05-799A-CECB1346EB6B}"/>
               </a:ext>
             </a:extLst>
           </p:cNvPr>
@@ -2801,7 +2801,7 @@
           <p:cNvPr id="3" name="文本占位符 2">
             <a:extLst>
               <a:ext uri="{FF2B5EF4-FFF2-40B4-BE49-F238E27FC236}">
-                <a16:creationId xmlns:a16="http://schemas.microsoft.com/office/drawing/2014/main" id="{38027D7F-E0A9-CAFB-6729-51BEB6B8AB58}"/>
+                <a16:creationId xmlns:a16="http://schemas.microsoft.com/office/drawing/2014/main" id="{81B29C52-6410-AE6F-B1D2-8EE035D6E72C}"/>
               </a:ext>
             </a:extLst>
           </p:cNvPr>
@@ -2868,7 +2868,7 @@
           <p:cNvPr id="4" name="日期占位符 3">
             <a:extLst>
               <a:ext uri="{FF2B5EF4-FFF2-40B4-BE49-F238E27FC236}">
-                <a16:creationId xmlns:a16="http://schemas.microsoft.com/office/drawing/2014/main" id="{7073BE03-843D-0E1A-7D9B-D781159B1B78}"/>
+                <a16:creationId xmlns:a16="http://schemas.microsoft.com/office/drawing/2014/main" id="{AE12488B-4737-AD08-4E53-DE3E79AF4346}"/>
               </a:ext>
             </a:extLst>
           </p:cNvPr>
@@ -2902,7 +2902,7 @@
             </a:lvl1pPr>
           </a:lstStyle>
           <a:p>
-            <a:fld id="{D402523A-F4A3-4EB6-861E-A2FD1ABE402A}" type="datetimeFigureOut">
+            <a:fld id="{8A55D339-41DB-49D8-8C73-E5CB60F64B03}" type="datetimeFigureOut">
               <a:rPr lang="zh-CN" altLang="en-US" smtClean="0"/>
               <a:t>2024/3/10</a:t>
             </a:fld>
@@ -2915,7 +2915,7 @@
           <p:cNvPr id="5" name="页脚占位符 4">
             <a:extLst>
               <a:ext uri="{FF2B5EF4-FFF2-40B4-BE49-F238E27FC236}">
-                <a16:creationId xmlns:a16="http://schemas.microsoft.com/office/drawing/2014/main" id="{8B4CBB42-2246-83C0-F0F1-63A091C3B4C5}"/>
+                <a16:creationId xmlns:a16="http://schemas.microsoft.com/office/drawing/2014/main" id="{5CF4D990-C690-9F9D-3AD1-0B549FDA603D}"/>
               </a:ext>
             </a:extLst>
           </p:cNvPr>
@@ -2958,7 +2958,7 @@
           <p:cNvPr id="6" name="灯片编号占位符 5">
             <a:extLst>
               <a:ext uri="{FF2B5EF4-FFF2-40B4-BE49-F238E27FC236}">
-                <a16:creationId xmlns:a16="http://schemas.microsoft.com/office/drawing/2014/main" id="{973D04FF-19B6-4B5A-1672-072853D7679C}"/>
+                <a16:creationId xmlns:a16="http://schemas.microsoft.com/office/drawing/2014/main" id="{05CA28AD-435F-F9A1-8D84-8C7DFEC37329}"/>
               </a:ext>
             </a:extLst>
           </p:cNvPr>
@@ -2992,7 +2992,7 @@
             </a:lvl1pPr>
           </a:lstStyle>
           <a:p>
-            <a:fld id="{B4A41887-3E8A-4D2E-A61E-A52F367BCC1C}" type="slidenum">
+            <a:fld id="{724B98A9-83EE-477D-AF20-2112241B31BF}" type="slidenum">
               <a:rPr lang="zh-CN" altLang="en-US" smtClean="0"/>
               <a:t>‹#›</a:t>
             </a:fld>
@@ -3003,7 +3003,7 @@
     </p:spTree>
     <p:extLst>
       <p:ext uri="{BB962C8B-B14F-4D97-AF65-F5344CB8AC3E}">
-        <p14:creationId xmlns:p14="http://schemas.microsoft.com/office/powerpoint/2010/main" val="875248872"/>
+        <p14:creationId xmlns:p14="http://schemas.microsoft.com/office/powerpoint/2010/main" val="3212209499"/>
       </p:ext>
     </p:extLst>
   </p:cSld>
